--- a/프로토타입 2-11(김연수,김기태,최강혁).pptx
+++ b/프로토타입 2-11(김연수,김기태,최강혁).pptx
@@ -224,6 +224,43 @@
 </p:presentation>
 </file>
 
+<file path=ppt/revisionInfo.xml><?xml version="1.0" encoding="utf-8"?>
+<p1510:revInfo xmlns:a="http://schemas.openxmlformats.org/drawingml/2006/main" xmlns:r="http://schemas.openxmlformats.org/officeDocument/2006/relationships" xmlns:p1510="http://schemas.microsoft.com/office/powerpoint/2015/10/main">
+  <p1510:revLst>
+    <p1510:client id="{64525C7E-8C21-4D26-A82B-9F39DEBD79A3}" v="295" dt="2018-05-17T03:09:21.986"/>
+  </p1510:revLst>
+</p1510:revInfo>
+</file>
+
+<file path=ppt/changesInfos/changesInfo1.xml><?xml version="1.0" encoding="utf-8"?>
+<pc:chgInfo xmlns:a="http://schemas.openxmlformats.org/drawingml/2006/main" xmlns:r="http://schemas.openxmlformats.org/officeDocument/2006/relationships" xmlns:ac="http://schemas.microsoft.com/office/drawing/2013/main/command" xmlns:pc="http://schemas.microsoft.com/office/powerpoint/2013/main/command">
+  <pc:docChgLst>
+    <pc:chgData name="김연수" userId="add142bc-ea56-4b44-ac0d-0129dc27d7b2" providerId="ADAL" clId="{64525C7E-8C21-4D26-A82B-9F39DEBD79A3}"/>
+    <pc:docChg chg="modSld">
+      <pc:chgData name="김연수" userId="add142bc-ea56-4b44-ac0d-0129dc27d7b2" providerId="ADAL" clId="{64525C7E-8C21-4D26-A82B-9F39DEBD79A3}" dt="2018-05-17T03:09:21.986" v="294" actId="20577"/>
+      <pc:docMkLst>
+        <pc:docMk/>
+      </pc:docMkLst>
+      <pc:sldChg chg="modSp">
+        <pc:chgData name="김연수" userId="add142bc-ea56-4b44-ac0d-0129dc27d7b2" providerId="ADAL" clId="{64525C7E-8C21-4D26-A82B-9F39DEBD79A3}" dt="2018-05-17T03:09:21.986" v="294" actId="20577"/>
+        <pc:sldMkLst>
+          <pc:docMk/>
+          <pc:sldMk cId="0" sldId="369"/>
+        </pc:sldMkLst>
+        <pc:spChg chg="mod">
+          <ac:chgData name="김연수" userId="add142bc-ea56-4b44-ac0d-0129dc27d7b2" providerId="ADAL" clId="{64525C7E-8C21-4D26-A82B-9F39DEBD79A3}" dt="2018-05-17T03:09:21.986" v="294" actId="20577"/>
+          <ac:spMkLst>
+            <pc:docMk/>
+            <pc:sldMk cId="0" sldId="369"/>
+            <ac:spMk id="6147" creationId="{050CFD4D-DED6-4249-A3FB-58254D555909}"/>
+          </ac:spMkLst>
+        </pc:spChg>
+      </pc:sldChg>
+    </pc:docChg>
+  </pc:docChgLst>
+</pc:chgInfo>
+</file>
+
 <file path=ppt/notesMasters/notesMaster1.xml><?xml version="1.0" encoding="utf-8"?>
 <p:notesMaster xmlns:a="http://schemas.openxmlformats.org/drawingml/2006/main" xmlns:r="http://schemas.openxmlformats.org/officeDocument/2006/relationships" xmlns:p="http://schemas.openxmlformats.org/presentationml/2006/main">
   <p:cSld>
@@ -1586,7 +1623,7 @@
           <a:graphicData uri="http://schemas.openxmlformats.org/presentationml/2006/ole">
             <mc:AlternateContent xmlns:mc="http://schemas.openxmlformats.org/markup-compatibility/2006">
               <mc:Choice xmlns:v="urn:schemas-microsoft-com:vml" Requires="v">
-                <p:oleObj spid="_x0000_s2049" name="Image" r:id="rId3" imgW="13003175" imgH="7555556" progId="Photoshop.Image.7">
+                <p:oleObj spid="_x0000_s2050" name="Image" r:id="rId3" imgW="13003175" imgH="7555556" progId="Photoshop.Image.7">
                   <p:embed/>
                 </p:oleObj>
               </mc:Choice>
@@ -1595,10 +1632,10 @@
                   <p:embed/>
                   <p:pic>
                     <p:nvPicPr>
-                      <p:cNvPr id="2050" name="Object 35">
+                      <p:cNvPr id="4" name="Object 35">
                         <a:extLst>
                           <a:ext uri="{FF2B5EF4-FFF2-40B4-BE49-F238E27FC236}">
-                            <a16:creationId xmlns:a16="http://schemas.microsoft.com/office/drawing/2014/main" id="{1E57F474-7D13-42F9-A4D7-087D2331BF57}"/>
+                            <a16:creationId xmlns:a16="http://schemas.microsoft.com/office/drawing/2014/main" id="{B55E3A35-3899-4860-A336-6E6E6F96EAE7}"/>
                           </a:ext>
                         </a:extLst>
                       </p:cNvPr>
@@ -2900,7 +2937,7 @@
           <a:graphicData uri="http://schemas.openxmlformats.org/presentationml/2006/ole">
             <mc:AlternateContent xmlns:mc="http://schemas.openxmlformats.org/markup-compatibility/2006">
               <mc:Choice xmlns:v="urn:schemas-microsoft-com:vml" Requires="v">
-                <p:oleObj spid="_x0000_s3073" name="Image" r:id="rId3" imgW="6361905" imgH="5663492" progId="Photoshop.Image.7">
+                <p:oleObj spid="_x0000_s3074" name="Image" r:id="rId3" imgW="6361905" imgH="5663492" progId="Photoshop.Image.7">
                   <p:embed/>
                 </p:oleObj>
               </mc:Choice>
@@ -2909,10 +2946,10 @@
                   <p:embed/>
                   <p:pic>
                     <p:nvPicPr>
-                      <p:cNvPr id="3076" name="Object 73">
+                      <p:cNvPr id="6" name="Object 73">
                         <a:extLst>
                           <a:ext uri="{FF2B5EF4-FFF2-40B4-BE49-F238E27FC236}">
-                            <a16:creationId xmlns:a16="http://schemas.microsoft.com/office/drawing/2014/main" id="{4A86E0B4-4AE0-4E9A-8FF3-9484B49F7CCD}"/>
+                            <a16:creationId xmlns:a16="http://schemas.microsoft.com/office/drawing/2014/main" id="{11E647C1-B9A3-4467-B1DD-92F5A1C4DF31}"/>
                           </a:ext>
                         </a:extLst>
                       </p:cNvPr>
@@ -5090,7 +5127,7 @@
           <a:graphicData uri="http://schemas.openxmlformats.org/presentationml/2006/ole">
             <mc:AlternateContent xmlns:mc="http://schemas.openxmlformats.org/markup-compatibility/2006">
               <mc:Choice xmlns:v="urn:schemas-microsoft-com:vml" Requires="v">
-                <p:oleObj spid="_x0000_s1025" name="Image" r:id="rId15" imgW="6361905" imgH="5663492" progId="Photoshop.Image.7">
+                <p:oleObj spid="_x0000_s1026" name="Image" r:id="rId15" imgW="6361905" imgH="5663492" progId="Photoshop.Image.7">
                   <p:embed/>
                 </p:oleObj>
               </mc:Choice>
@@ -5099,7 +5136,13 @@
                   <p:embed/>
                   <p:pic>
                     <p:nvPicPr>
-                      <p:cNvPr id="0" name="Object 73"/>
+                      <p:cNvPr id="1028" name="Object 73">
+                        <a:extLst>
+                          <a:ext uri="{FF2B5EF4-FFF2-40B4-BE49-F238E27FC236}">
+                            <a16:creationId xmlns:a16="http://schemas.microsoft.com/office/drawing/2014/main" id="{EE6F2FE2-12AC-46BF-B88F-8A3FF1BF2D39}"/>
+                          </a:ext>
+                        </a:extLst>
+                      </p:cNvPr>
                       <p:cNvPicPr>
                         <a:picLocks noChangeAspect="1" noChangeArrowheads="1"/>
                       </p:cNvPicPr>
@@ -18689,19 +18732,58 @@
               <a:defRPr/>
             </a:pPr>
             <a:r>
-              <a:rPr lang="ko-KR" altLang="en-US"/>
+              <a:rPr lang="ko-KR" altLang="en-US" dirty="0"/>
               <a:t>지난 발표에서의 지적 사항</a:t>
             </a:r>
-            <a:endParaRPr lang="en-US" altLang="ko-KR"/>
+            <a:endParaRPr lang="en-US" altLang="ko-KR" dirty="0"/>
           </a:p>
           <a:p>
             <a:pPr lvl="1">
               <a:defRPr/>
             </a:pPr>
             <a:r>
+              <a:rPr lang="ko-KR" altLang="en-US" dirty="0"/>
+              <a:t>다양한 시나리오의 데모 필요</a:t>
+            </a:r>
+            <a:endParaRPr lang="en-US" altLang="ko-KR" dirty="0"/>
+          </a:p>
+          <a:p>
+            <a:pPr>
+              <a:defRPr/>
+            </a:pPr>
+            <a:r>
+              <a:rPr lang="ko-KR" altLang="en-US" dirty="0"/>
+              <a:t>지적 사항에 대한 답변</a:t>
+            </a:r>
+            <a:endParaRPr lang="en-US" altLang="ko-KR" dirty="0"/>
+          </a:p>
+          <a:p>
+            <a:pPr lvl="1" latinLnBrk="1">
+              <a:defRPr/>
+            </a:pPr>
+            <a:r>
+              <a:rPr lang="ko-KR" altLang="en-US" dirty="0"/>
+              <a:t>방이 여러 개 있는 집 모형에 다양한 센서를 부착하여 스마트폰으로 조작 </a:t>
+            </a:r>
+            <a:r>
               <a:rPr lang="ko-KR" altLang="en-US"/>
-              <a:t>통신 스펙을 이용하는 장점을 잘 보여줄 응용 정의 필요</a:t>
-            </a:r>
+              <a:t>할 예정</a:t>
+            </a:r>
+            <a:endParaRPr lang="en-US" altLang="ko-KR" dirty="0"/>
+          </a:p>
+          <a:p>
+            <a:pPr lvl="1" latinLnBrk="1">
+              <a:defRPr/>
+            </a:pPr>
+            <a:r>
+              <a:rPr lang="en-US" altLang="ko-KR" dirty="0"/>
+              <a:t>DTLS</a:t>
+            </a:r>
+            <a:r>
+              <a:rPr lang="ko-KR" altLang="en-US" dirty="0"/>
+              <a:t>를 적용 한 경우와 아닌 경우를 나누어 시나리오 작성</a:t>
+            </a:r>
+            <a:endParaRPr lang="en-US" altLang="ko-KR" dirty="0"/>
           </a:p>
           <a:p>
             <a:pPr marL="0" indent="0">
@@ -18709,82 +18791,7 @@
               <a:buNone/>
               <a:defRPr/>
             </a:pPr>
-            <a:endParaRPr lang="en-US" altLang="ko-KR"/>
-          </a:p>
-          <a:p>
-            <a:pPr>
-              <a:defRPr/>
-            </a:pPr>
-            <a:r>
-              <a:rPr lang="ko-KR" altLang="en-US"/>
-              <a:t>지적 사항에 대한 답변</a:t>
-            </a:r>
-            <a:endParaRPr lang="en-US" altLang="ko-KR"/>
-          </a:p>
-          <a:p>
-            <a:pPr lvl="1" latinLnBrk="1">
-              <a:defRPr/>
-            </a:pPr>
-            <a:r>
-              <a:rPr lang="en-US" altLang="ko-KR" err="1"/>
-              <a:t>CoAP</a:t>
-            </a:r>
-            <a:r>
-              <a:rPr lang="ko-KR" altLang="en-US"/>
-              <a:t>를 활용하여 홈 네트워크 시스템을 구축</a:t>
-            </a:r>
-          </a:p>
-          <a:p>
-            <a:pPr lvl="1" latinLnBrk="1">
-              <a:defRPr/>
-            </a:pPr>
-            <a:endParaRPr lang="en-US" altLang="ko-KR"/>
-          </a:p>
-          <a:p>
-            <a:pPr lvl="1" latinLnBrk="1">
-              <a:defRPr/>
-            </a:pPr>
-            <a:r>
-              <a:rPr lang="ko-KR" altLang="en-US"/>
-              <a:t>다양한 센서를 관리하는 스마트폰 어플리케이션 개발</a:t>
-            </a:r>
-          </a:p>
-          <a:p>
-            <a:pPr lvl="1" latinLnBrk="1">
-              <a:defRPr/>
-            </a:pPr>
-            <a:endParaRPr lang="en-US" altLang="ko-KR"/>
-          </a:p>
-          <a:p>
-            <a:pPr lvl="1" latinLnBrk="1">
-              <a:defRPr/>
-            </a:pPr>
-            <a:r>
-              <a:rPr lang="ko-KR" altLang="en-US"/>
-              <a:t>클라이언트는 서버와 직접통신을 하지 않고 게이트웨이를 통해 접속하도록 하여 </a:t>
-            </a:r>
-            <a:r>
-              <a:rPr lang="en-US" altLang="ko-KR"/>
-              <a:t>6lowPan</a:t>
-            </a:r>
-            <a:r>
-              <a:rPr lang="ko-KR" altLang="en-US"/>
-              <a:t>의 장점을 살릴 수 있는 홈 네트워크 시스템 구축</a:t>
-            </a:r>
-          </a:p>
-          <a:p>
-            <a:pPr lvl="1">
-              <a:defRPr/>
-            </a:pPr>
-            <a:endParaRPr lang="en-US" altLang="ko-KR"/>
-          </a:p>
-          <a:p>
-            <a:pPr marL="0" indent="0">
-              <a:buFont typeface="Wingdings" panose="05000000000000000000" pitchFamily="2" charset="2"/>
-              <a:buNone/>
-              <a:defRPr/>
-            </a:pPr>
-            <a:endParaRPr lang="en-US" altLang="ko-KR"/>
+            <a:endParaRPr lang="en-US" altLang="ko-KR" dirty="0"/>
           </a:p>
         </p:txBody>
       </p:sp>
